--- a/docs/CDC 2017 Safe Tracking/fig/hybrid_controller.pptx
+++ b/docs/CDC 2017 Safe Tracking/fig/hybrid_controller.pptx
@@ -2,12 +2,12 @@
 <file path=ppt/presentation.xml><?xml version="1.0" encoding="utf-8"?>
 <p:presentation xmlns:a="http://schemas.openxmlformats.org/drawingml/2006/main" xmlns:r="http://schemas.openxmlformats.org/officeDocument/2006/relationships" xmlns:p="http://schemas.openxmlformats.org/presentationml/2006/main" saveSubsetFonts="1">
   <p:sldMasterIdLst>
-    <p:sldMasterId id="2147483732" r:id="rId1"/>
+    <p:sldMasterId id="2147483756" r:id="rId1"/>
   </p:sldMasterIdLst>
   <p:sldIdLst>
     <p:sldId id="258" r:id="rId2"/>
   </p:sldIdLst>
-  <p:sldSz cx="7315200" cy="2743200"/>
+  <p:sldSz cx="8137525" cy="3200400"/>
   <p:notesSz cx="6858000" cy="9144000"/>
   <p:defaultTextStyle>
     <a:defPPr>
@@ -141,15 +141,15 @@
         </p:nvSpPr>
         <p:spPr>
           <a:xfrm>
-            <a:off x="914400" y="448945"/>
-            <a:ext cx="5486400" cy="955040"/>
+            <a:off x="1017191" y="523770"/>
+            <a:ext cx="6103144" cy="1114213"/>
           </a:xfrm>
         </p:spPr>
         <p:txBody>
           <a:bodyPr anchor="b"/>
           <a:lstStyle>
             <a:lvl1pPr algn="ctr">
-              <a:defRPr sz="2400"/>
+              <a:defRPr sz="2800"/>
             </a:lvl1pPr>
           </a:lstStyle>
           <a:p>
@@ -173,8 +173,8 @@
         </p:nvSpPr>
         <p:spPr>
           <a:xfrm>
-            <a:off x="914400" y="1440815"/>
-            <a:ext cx="5486400" cy="662305"/>
+            <a:off x="1017191" y="1680951"/>
+            <a:ext cx="6103144" cy="772689"/>
           </a:xfrm>
         </p:spPr>
         <p:txBody>
@@ -182,39 +182,39 @@
           <a:lstStyle>
             <a:lvl1pPr marL="0" indent="0" algn="ctr">
               <a:buNone/>
-              <a:defRPr sz="960"/>
+              <a:defRPr sz="1120"/>
             </a:lvl1pPr>
-            <a:lvl2pPr marL="182880" indent="0" algn="ctr">
-              <a:buNone/>
-              <a:defRPr sz="800"/>
+            <a:lvl2pPr marL="213375" indent="0" algn="ctr">
+              <a:buNone/>
+              <a:defRPr sz="933"/>
             </a:lvl2pPr>
-            <a:lvl3pPr marL="365760" indent="0" algn="ctr">
-              <a:buNone/>
-              <a:defRPr sz="720"/>
+            <a:lvl3pPr marL="426750" indent="0" algn="ctr">
+              <a:buNone/>
+              <a:defRPr sz="840"/>
             </a:lvl3pPr>
-            <a:lvl4pPr marL="548640" indent="0" algn="ctr">
-              <a:buNone/>
-              <a:defRPr sz="640"/>
+            <a:lvl4pPr marL="640126" indent="0" algn="ctr">
+              <a:buNone/>
+              <a:defRPr sz="747"/>
             </a:lvl4pPr>
-            <a:lvl5pPr marL="731520" indent="0" algn="ctr">
-              <a:buNone/>
-              <a:defRPr sz="640"/>
+            <a:lvl5pPr marL="853501" indent="0" algn="ctr">
+              <a:buNone/>
+              <a:defRPr sz="747"/>
             </a:lvl5pPr>
-            <a:lvl6pPr marL="914400" indent="0" algn="ctr">
-              <a:buNone/>
-              <a:defRPr sz="640"/>
+            <a:lvl6pPr marL="1066876" indent="0" algn="ctr">
+              <a:buNone/>
+              <a:defRPr sz="747"/>
             </a:lvl6pPr>
-            <a:lvl7pPr marL="1097280" indent="0" algn="ctr">
-              <a:buNone/>
-              <a:defRPr sz="640"/>
+            <a:lvl7pPr marL="1280251" indent="0" algn="ctr">
+              <a:buNone/>
+              <a:defRPr sz="747"/>
             </a:lvl7pPr>
-            <a:lvl8pPr marL="1280160" indent="0" algn="ctr">
-              <a:buNone/>
-              <a:defRPr sz="640"/>
+            <a:lvl8pPr marL="1493627" indent="0" algn="ctr">
+              <a:buNone/>
+              <a:defRPr sz="747"/>
             </a:lvl8pPr>
-            <a:lvl9pPr marL="1463040" indent="0" algn="ctr">
-              <a:buNone/>
-              <a:defRPr sz="640"/>
+            <a:lvl9pPr marL="1707002" indent="0" algn="ctr">
+              <a:buNone/>
+              <a:defRPr sz="747"/>
             </a:lvl9pPr>
           </a:lstStyle>
           <a:p>
@@ -243,7 +243,7 @@
           <a:p>
             <a:fld id="{C48BF103-B019-4C03-B7DF-16D4A730CE6A}" type="datetimeFigureOut">
               <a:rPr lang="en-US" smtClean="0"/>
-              <a:t>17/03/02</a:t>
+              <a:t>17/03/06</a:t>
             </a:fld>
             <a:endParaRPr lang="en-US"/>
           </a:p>
@@ -294,7 +294,7 @@
     </p:spTree>
     <p:extLst>
       <p:ext uri="{BB962C8B-B14F-4D97-AF65-F5344CB8AC3E}">
-        <p14:creationId xmlns:p14="http://schemas.microsoft.com/office/powerpoint/2010/main" val="2420862401"/>
+        <p14:creationId xmlns:p14="http://schemas.microsoft.com/office/powerpoint/2010/main" val="1252929293"/>
       </p:ext>
     </p:extLst>
   </p:cSld>
@@ -413,7 +413,7 @@
           <a:p>
             <a:fld id="{C48BF103-B019-4C03-B7DF-16D4A730CE6A}" type="datetimeFigureOut">
               <a:rPr lang="en-US" smtClean="0"/>
-              <a:t>17/03/02</a:t>
+              <a:t>17/03/06</a:t>
             </a:fld>
             <a:endParaRPr lang="en-US"/>
           </a:p>
@@ -464,7 +464,7 @@
     </p:spTree>
     <p:extLst>
       <p:ext uri="{BB962C8B-B14F-4D97-AF65-F5344CB8AC3E}">
-        <p14:creationId xmlns:p14="http://schemas.microsoft.com/office/powerpoint/2010/main" val="3144462257"/>
+        <p14:creationId xmlns:p14="http://schemas.microsoft.com/office/powerpoint/2010/main" val="3633874188"/>
       </p:ext>
     </p:extLst>
   </p:cSld>
@@ -503,8 +503,8 @@
         </p:nvSpPr>
         <p:spPr>
           <a:xfrm>
-            <a:off x="5234940" y="146050"/>
-            <a:ext cx="1577340" cy="2324735"/>
+            <a:off x="5823416" y="170392"/>
+            <a:ext cx="1754654" cy="2712191"/>
           </a:xfrm>
         </p:spPr>
         <p:txBody>
@@ -531,8 +531,8 @@
         </p:nvSpPr>
         <p:spPr>
           <a:xfrm>
-            <a:off x="502920" y="146050"/>
-            <a:ext cx="4640580" cy="2324735"/>
+            <a:off x="559455" y="170392"/>
+            <a:ext cx="5162242" cy="2712191"/>
           </a:xfrm>
         </p:spPr>
         <p:txBody>
@@ -593,7 +593,7 @@
           <a:p>
             <a:fld id="{C48BF103-B019-4C03-B7DF-16D4A730CE6A}" type="datetimeFigureOut">
               <a:rPr lang="en-US" smtClean="0"/>
-              <a:t>17/03/02</a:t>
+              <a:t>17/03/06</a:t>
             </a:fld>
             <a:endParaRPr lang="en-US"/>
           </a:p>
@@ -644,7 +644,7 @@
     </p:spTree>
     <p:extLst>
       <p:ext uri="{BB962C8B-B14F-4D97-AF65-F5344CB8AC3E}">
-        <p14:creationId xmlns:p14="http://schemas.microsoft.com/office/powerpoint/2010/main" val="832030717"/>
+        <p14:creationId xmlns:p14="http://schemas.microsoft.com/office/powerpoint/2010/main" val="2374700791"/>
       </p:ext>
     </p:extLst>
   </p:cSld>
@@ -763,7 +763,7 @@
           <a:p>
             <a:fld id="{C48BF103-B019-4C03-B7DF-16D4A730CE6A}" type="datetimeFigureOut">
               <a:rPr lang="en-US" smtClean="0"/>
-              <a:t>17/03/02</a:t>
+              <a:t>17/03/06</a:t>
             </a:fld>
             <a:endParaRPr lang="en-US"/>
           </a:p>
@@ -814,7 +814,7 @@
     </p:spTree>
     <p:extLst>
       <p:ext uri="{BB962C8B-B14F-4D97-AF65-F5344CB8AC3E}">
-        <p14:creationId xmlns:p14="http://schemas.microsoft.com/office/powerpoint/2010/main" val="3538776073"/>
+        <p14:creationId xmlns:p14="http://schemas.microsoft.com/office/powerpoint/2010/main" val="2173256920"/>
       </p:ext>
     </p:extLst>
   </p:cSld>
@@ -853,15 +853,15 @@
         </p:nvSpPr>
         <p:spPr>
           <a:xfrm>
-            <a:off x="499110" y="683895"/>
-            <a:ext cx="6309360" cy="1141095"/>
+            <a:off x="555217" y="797878"/>
+            <a:ext cx="7018615" cy="1331277"/>
           </a:xfrm>
         </p:spPr>
         <p:txBody>
           <a:bodyPr anchor="b"/>
           <a:lstStyle>
             <a:lvl1pPr>
-              <a:defRPr sz="2400"/>
+              <a:defRPr sz="2800"/>
             </a:lvl1pPr>
           </a:lstStyle>
           <a:p>
@@ -885,8 +885,8 @@
         </p:nvSpPr>
         <p:spPr>
           <a:xfrm>
-            <a:off x="499110" y="1835785"/>
-            <a:ext cx="6309360" cy="600075"/>
+            <a:off x="555217" y="2141750"/>
+            <a:ext cx="7018615" cy="700087"/>
           </a:xfrm>
         </p:spPr>
         <p:txBody>
@@ -894,7 +894,7 @@
           <a:lstStyle>
             <a:lvl1pPr marL="0" indent="0">
               <a:buNone/>
-              <a:defRPr sz="960">
+              <a:defRPr sz="1120">
                 <a:solidFill>
                   <a:schemeClr val="tx1">
                     <a:tint val="75000"/>
@@ -902,9 +902,9 @@
                 </a:solidFill>
               </a:defRPr>
             </a:lvl1pPr>
-            <a:lvl2pPr marL="182880" indent="0">
-              <a:buNone/>
-              <a:defRPr sz="800">
+            <a:lvl2pPr marL="213375" indent="0">
+              <a:buNone/>
+              <a:defRPr sz="933">
                 <a:solidFill>
                   <a:schemeClr val="tx1">
                     <a:tint val="75000"/>
@@ -912,9 +912,9 @@
                 </a:solidFill>
               </a:defRPr>
             </a:lvl2pPr>
-            <a:lvl3pPr marL="365760" indent="0">
-              <a:buNone/>
-              <a:defRPr sz="720">
+            <a:lvl3pPr marL="426750" indent="0">
+              <a:buNone/>
+              <a:defRPr sz="840">
                 <a:solidFill>
                   <a:schemeClr val="tx1">
                     <a:tint val="75000"/>
@@ -922,9 +922,9 @@
                 </a:solidFill>
               </a:defRPr>
             </a:lvl3pPr>
-            <a:lvl4pPr marL="548640" indent="0">
-              <a:buNone/>
-              <a:defRPr sz="640">
+            <a:lvl4pPr marL="640126" indent="0">
+              <a:buNone/>
+              <a:defRPr sz="747">
                 <a:solidFill>
                   <a:schemeClr val="tx1">
                     <a:tint val="75000"/>
@@ -932,9 +932,9 @@
                 </a:solidFill>
               </a:defRPr>
             </a:lvl4pPr>
-            <a:lvl5pPr marL="731520" indent="0">
-              <a:buNone/>
-              <a:defRPr sz="640">
+            <a:lvl5pPr marL="853501" indent="0">
+              <a:buNone/>
+              <a:defRPr sz="747">
                 <a:solidFill>
                   <a:schemeClr val="tx1">
                     <a:tint val="75000"/>
@@ -942,9 +942,9 @@
                 </a:solidFill>
               </a:defRPr>
             </a:lvl5pPr>
-            <a:lvl6pPr marL="914400" indent="0">
-              <a:buNone/>
-              <a:defRPr sz="640">
+            <a:lvl6pPr marL="1066876" indent="0">
+              <a:buNone/>
+              <a:defRPr sz="747">
                 <a:solidFill>
                   <a:schemeClr val="tx1">
                     <a:tint val="75000"/>
@@ -952,9 +952,9 @@
                 </a:solidFill>
               </a:defRPr>
             </a:lvl6pPr>
-            <a:lvl7pPr marL="1097280" indent="0">
-              <a:buNone/>
-              <a:defRPr sz="640">
+            <a:lvl7pPr marL="1280251" indent="0">
+              <a:buNone/>
+              <a:defRPr sz="747">
                 <a:solidFill>
                   <a:schemeClr val="tx1">
                     <a:tint val="75000"/>
@@ -962,9 +962,9 @@
                 </a:solidFill>
               </a:defRPr>
             </a:lvl7pPr>
-            <a:lvl8pPr marL="1280160" indent="0">
-              <a:buNone/>
-              <a:defRPr sz="640">
+            <a:lvl8pPr marL="1493627" indent="0">
+              <a:buNone/>
+              <a:defRPr sz="747">
                 <a:solidFill>
                   <a:schemeClr val="tx1">
                     <a:tint val="75000"/>
@@ -972,9 +972,9 @@
                 </a:solidFill>
               </a:defRPr>
             </a:lvl8pPr>
-            <a:lvl9pPr marL="1463040" indent="0">
-              <a:buNone/>
-              <a:defRPr sz="640">
+            <a:lvl9pPr marL="1707002" indent="0">
+              <a:buNone/>
+              <a:defRPr sz="747">
                 <a:solidFill>
                   <a:schemeClr val="tx1">
                     <a:tint val="75000"/>
@@ -1009,7 +1009,7 @@
           <a:p>
             <a:fld id="{C48BF103-B019-4C03-B7DF-16D4A730CE6A}" type="datetimeFigureOut">
               <a:rPr lang="en-US" smtClean="0"/>
-              <a:t>17/03/02</a:t>
+              <a:t>17/03/06</a:t>
             </a:fld>
             <a:endParaRPr lang="en-US"/>
           </a:p>
@@ -1060,7 +1060,7 @@
     </p:spTree>
     <p:extLst>
       <p:ext uri="{BB962C8B-B14F-4D97-AF65-F5344CB8AC3E}">
-        <p14:creationId xmlns:p14="http://schemas.microsoft.com/office/powerpoint/2010/main" val="3780094721"/>
+        <p14:creationId xmlns:p14="http://schemas.microsoft.com/office/powerpoint/2010/main" val="1808309342"/>
       </p:ext>
     </p:extLst>
   </p:cSld>
@@ -1122,8 +1122,8 @@
         </p:nvSpPr>
         <p:spPr>
           <a:xfrm>
-            <a:off x="502920" y="730250"/>
-            <a:ext cx="3108960" cy="1740535"/>
+            <a:off x="559455" y="851959"/>
+            <a:ext cx="3458448" cy="2030624"/>
           </a:xfrm>
         </p:spPr>
         <p:txBody>
@@ -1179,8 +1179,8 @@
         </p:nvSpPr>
         <p:spPr>
           <a:xfrm>
-            <a:off x="3703320" y="730250"/>
-            <a:ext cx="3108960" cy="1740535"/>
+            <a:off x="4119622" y="851959"/>
+            <a:ext cx="3458448" cy="2030624"/>
           </a:xfrm>
         </p:spPr>
         <p:txBody>
@@ -1241,7 +1241,7 @@
           <a:p>
             <a:fld id="{C48BF103-B019-4C03-B7DF-16D4A730CE6A}" type="datetimeFigureOut">
               <a:rPr lang="en-US" smtClean="0"/>
-              <a:t>17/03/02</a:t>
+              <a:t>17/03/06</a:t>
             </a:fld>
             <a:endParaRPr lang="en-US"/>
           </a:p>
@@ -1292,7 +1292,7 @@
     </p:spTree>
     <p:extLst>
       <p:ext uri="{BB962C8B-B14F-4D97-AF65-F5344CB8AC3E}">
-        <p14:creationId xmlns:p14="http://schemas.microsoft.com/office/powerpoint/2010/main" val="870594633"/>
+        <p14:creationId xmlns:p14="http://schemas.microsoft.com/office/powerpoint/2010/main" val="3879384684"/>
       </p:ext>
     </p:extLst>
   </p:cSld>
@@ -1331,8 +1331,8 @@
         </p:nvSpPr>
         <p:spPr>
           <a:xfrm>
-            <a:off x="503873" y="146050"/>
-            <a:ext cx="6309360" cy="530225"/>
+            <a:off x="560515" y="170392"/>
+            <a:ext cx="7018615" cy="618596"/>
           </a:xfrm>
         </p:spPr>
         <p:txBody>
@@ -1359,8 +1359,8 @@
         </p:nvSpPr>
         <p:spPr>
           <a:xfrm>
-            <a:off x="503873" y="672465"/>
-            <a:ext cx="3094672" cy="329565"/>
+            <a:off x="560515" y="784543"/>
+            <a:ext cx="3442554" cy="384492"/>
           </a:xfrm>
         </p:spPr>
         <p:txBody>
@@ -1368,39 +1368,39 @@
           <a:lstStyle>
             <a:lvl1pPr marL="0" indent="0">
               <a:buNone/>
-              <a:defRPr sz="960" b="1"/>
+              <a:defRPr sz="1120" b="1"/>
             </a:lvl1pPr>
-            <a:lvl2pPr marL="182880" indent="0">
-              <a:buNone/>
-              <a:defRPr sz="800" b="1"/>
+            <a:lvl2pPr marL="213375" indent="0">
+              <a:buNone/>
+              <a:defRPr sz="933" b="1"/>
             </a:lvl2pPr>
-            <a:lvl3pPr marL="365760" indent="0">
-              <a:buNone/>
-              <a:defRPr sz="720" b="1"/>
+            <a:lvl3pPr marL="426750" indent="0">
+              <a:buNone/>
+              <a:defRPr sz="840" b="1"/>
             </a:lvl3pPr>
-            <a:lvl4pPr marL="548640" indent="0">
-              <a:buNone/>
-              <a:defRPr sz="640" b="1"/>
+            <a:lvl4pPr marL="640126" indent="0">
+              <a:buNone/>
+              <a:defRPr sz="747" b="1"/>
             </a:lvl4pPr>
-            <a:lvl5pPr marL="731520" indent="0">
-              <a:buNone/>
-              <a:defRPr sz="640" b="1"/>
+            <a:lvl5pPr marL="853501" indent="0">
+              <a:buNone/>
+              <a:defRPr sz="747" b="1"/>
             </a:lvl5pPr>
-            <a:lvl6pPr marL="914400" indent="0">
-              <a:buNone/>
-              <a:defRPr sz="640" b="1"/>
+            <a:lvl6pPr marL="1066876" indent="0">
+              <a:buNone/>
+              <a:defRPr sz="747" b="1"/>
             </a:lvl6pPr>
-            <a:lvl7pPr marL="1097280" indent="0">
-              <a:buNone/>
-              <a:defRPr sz="640" b="1"/>
+            <a:lvl7pPr marL="1280251" indent="0">
+              <a:buNone/>
+              <a:defRPr sz="747" b="1"/>
             </a:lvl7pPr>
-            <a:lvl8pPr marL="1280160" indent="0">
-              <a:buNone/>
-              <a:defRPr sz="640" b="1"/>
+            <a:lvl8pPr marL="1493627" indent="0">
+              <a:buNone/>
+              <a:defRPr sz="747" b="1"/>
             </a:lvl8pPr>
-            <a:lvl9pPr marL="1463040" indent="0">
-              <a:buNone/>
-              <a:defRPr sz="640" b="1"/>
+            <a:lvl9pPr marL="1707002" indent="0">
+              <a:buNone/>
+              <a:defRPr sz="747" b="1"/>
             </a:lvl9pPr>
           </a:lstStyle>
           <a:p>
@@ -1424,8 +1424,8 @@
         </p:nvSpPr>
         <p:spPr>
           <a:xfrm>
-            <a:off x="503873" y="1002030"/>
-            <a:ext cx="3094672" cy="1473835"/>
+            <a:off x="560515" y="1169035"/>
+            <a:ext cx="3442554" cy="1719474"/>
           </a:xfrm>
         </p:spPr>
         <p:txBody>
@@ -1481,8 +1481,8 @@
         </p:nvSpPr>
         <p:spPr>
           <a:xfrm>
-            <a:off x="3703320" y="672465"/>
-            <a:ext cx="3109913" cy="329565"/>
+            <a:off x="4119622" y="784543"/>
+            <a:ext cx="3459508" cy="384492"/>
           </a:xfrm>
         </p:spPr>
         <p:txBody>
@@ -1490,39 +1490,39 @@
           <a:lstStyle>
             <a:lvl1pPr marL="0" indent="0">
               <a:buNone/>
-              <a:defRPr sz="960" b="1"/>
+              <a:defRPr sz="1120" b="1"/>
             </a:lvl1pPr>
-            <a:lvl2pPr marL="182880" indent="0">
-              <a:buNone/>
-              <a:defRPr sz="800" b="1"/>
+            <a:lvl2pPr marL="213375" indent="0">
+              <a:buNone/>
+              <a:defRPr sz="933" b="1"/>
             </a:lvl2pPr>
-            <a:lvl3pPr marL="365760" indent="0">
-              <a:buNone/>
-              <a:defRPr sz="720" b="1"/>
+            <a:lvl3pPr marL="426750" indent="0">
+              <a:buNone/>
+              <a:defRPr sz="840" b="1"/>
             </a:lvl3pPr>
-            <a:lvl4pPr marL="548640" indent="0">
-              <a:buNone/>
-              <a:defRPr sz="640" b="1"/>
+            <a:lvl4pPr marL="640126" indent="0">
+              <a:buNone/>
+              <a:defRPr sz="747" b="1"/>
             </a:lvl4pPr>
-            <a:lvl5pPr marL="731520" indent="0">
-              <a:buNone/>
-              <a:defRPr sz="640" b="1"/>
+            <a:lvl5pPr marL="853501" indent="0">
+              <a:buNone/>
+              <a:defRPr sz="747" b="1"/>
             </a:lvl5pPr>
-            <a:lvl6pPr marL="914400" indent="0">
-              <a:buNone/>
-              <a:defRPr sz="640" b="1"/>
+            <a:lvl6pPr marL="1066876" indent="0">
+              <a:buNone/>
+              <a:defRPr sz="747" b="1"/>
             </a:lvl6pPr>
-            <a:lvl7pPr marL="1097280" indent="0">
-              <a:buNone/>
-              <a:defRPr sz="640" b="1"/>
+            <a:lvl7pPr marL="1280251" indent="0">
+              <a:buNone/>
+              <a:defRPr sz="747" b="1"/>
             </a:lvl7pPr>
-            <a:lvl8pPr marL="1280160" indent="0">
-              <a:buNone/>
-              <a:defRPr sz="640" b="1"/>
+            <a:lvl8pPr marL="1493627" indent="0">
+              <a:buNone/>
+              <a:defRPr sz="747" b="1"/>
             </a:lvl8pPr>
-            <a:lvl9pPr marL="1463040" indent="0">
-              <a:buNone/>
-              <a:defRPr sz="640" b="1"/>
+            <a:lvl9pPr marL="1707002" indent="0">
+              <a:buNone/>
+              <a:defRPr sz="747" b="1"/>
             </a:lvl9pPr>
           </a:lstStyle>
           <a:p>
@@ -1546,8 +1546,8 @@
         </p:nvSpPr>
         <p:spPr>
           <a:xfrm>
-            <a:off x="3703320" y="1002030"/>
-            <a:ext cx="3109913" cy="1473835"/>
+            <a:off x="4119622" y="1169035"/>
+            <a:ext cx="3459508" cy="1719474"/>
           </a:xfrm>
         </p:spPr>
         <p:txBody>
@@ -1608,7 +1608,7 @@
           <a:p>
             <a:fld id="{C48BF103-B019-4C03-B7DF-16D4A730CE6A}" type="datetimeFigureOut">
               <a:rPr lang="en-US" smtClean="0"/>
-              <a:t>17/03/02</a:t>
+              <a:t>17/03/06</a:t>
             </a:fld>
             <a:endParaRPr lang="en-US"/>
           </a:p>
@@ -1659,7 +1659,7 @@
     </p:spTree>
     <p:extLst>
       <p:ext uri="{BB962C8B-B14F-4D97-AF65-F5344CB8AC3E}">
-        <p14:creationId xmlns:p14="http://schemas.microsoft.com/office/powerpoint/2010/main" val="3298852615"/>
+        <p14:creationId xmlns:p14="http://schemas.microsoft.com/office/powerpoint/2010/main" val="2939732880"/>
       </p:ext>
     </p:extLst>
   </p:cSld>
@@ -1726,7 +1726,7 @@
           <a:p>
             <a:fld id="{C48BF103-B019-4C03-B7DF-16D4A730CE6A}" type="datetimeFigureOut">
               <a:rPr lang="en-US" smtClean="0"/>
-              <a:t>17/03/02</a:t>
+              <a:t>17/03/06</a:t>
             </a:fld>
             <a:endParaRPr lang="en-US"/>
           </a:p>
@@ -1777,7 +1777,7 @@
     </p:spTree>
     <p:extLst>
       <p:ext uri="{BB962C8B-B14F-4D97-AF65-F5344CB8AC3E}">
-        <p14:creationId xmlns:p14="http://schemas.microsoft.com/office/powerpoint/2010/main" val="4144648802"/>
+        <p14:creationId xmlns:p14="http://schemas.microsoft.com/office/powerpoint/2010/main" val="1847906069"/>
       </p:ext>
     </p:extLst>
   </p:cSld>
@@ -1821,7 +1821,7 @@
           <a:p>
             <a:fld id="{C48BF103-B019-4C03-B7DF-16D4A730CE6A}" type="datetimeFigureOut">
               <a:rPr lang="en-US" smtClean="0"/>
-              <a:t>17/03/02</a:t>
+              <a:t>17/03/06</a:t>
             </a:fld>
             <a:endParaRPr lang="en-US"/>
           </a:p>
@@ -1872,7 +1872,7 @@
     </p:spTree>
     <p:extLst>
       <p:ext uri="{BB962C8B-B14F-4D97-AF65-F5344CB8AC3E}">
-        <p14:creationId xmlns:p14="http://schemas.microsoft.com/office/powerpoint/2010/main" val="4077182208"/>
+        <p14:creationId xmlns:p14="http://schemas.microsoft.com/office/powerpoint/2010/main" val="1415097937"/>
       </p:ext>
     </p:extLst>
   </p:cSld>
@@ -1911,15 +1911,15 @@
         </p:nvSpPr>
         <p:spPr>
           <a:xfrm>
-            <a:off x="503873" y="182880"/>
-            <a:ext cx="2359342" cy="640080"/>
+            <a:off x="560515" y="213360"/>
+            <a:ext cx="2624563" cy="746760"/>
           </a:xfrm>
         </p:spPr>
         <p:txBody>
           <a:bodyPr anchor="b"/>
           <a:lstStyle>
             <a:lvl1pPr>
-              <a:defRPr sz="1280"/>
+              <a:defRPr sz="1493"/>
             </a:lvl1pPr>
           </a:lstStyle>
           <a:p>
@@ -1943,39 +1943,39 @@
         </p:nvSpPr>
         <p:spPr>
           <a:xfrm>
-            <a:off x="3109913" y="394970"/>
-            <a:ext cx="3703320" cy="1949450"/>
+            <a:off x="3459508" y="460799"/>
+            <a:ext cx="4119622" cy="2274358"/>
           </a:xfrm>
         </p:spPr>
         <p:txBody>
           <a:bodyPr/>
           <a:lstStyle>
             <a:lvl1pPr>
-              <a:defRPr sz="1280"/>
+              <a:defRPr sz="1493"/>
             </a:lvl1pPr>
             <a:lvl2pPr>
-              <a:defRPr sz="1120"/>
+              <a:defRPr sz="1307"/>
             </a:lvl2pPr>
             <a:lvl3pPr>
-              <a:defRPr sz="960"/>
+              <a:defRPr sz="1120"/>
             </a:lvl3pPr>
             <a:lvl4pPr>
-              <a:defRPr sz="800"/>
+              <a:defRPr sz="933"/>
             </a:lvl4pPr>
             <a:lvl5pPr>
-              <a:defRPr sz="800"/>
+              <a:defRPr sz="933"/>
             </a:lvl5pPr>
             <a:lvl6pPr>
-              <a:defRPr sz="800"/>
+              <a:defRPr sz="933"/>
             </a:lvl6pPr>
             <a:lvl7pPr>
-              <a:defRPr sz="800"/>
+              <a:defRPr sz="933"/>
             </a:lvl7pPr>
             <a:lvl8pPr>
-              <a:defRPr sz="800"/>
+              <a:defRPr sz="933"/>
             </a:lvl8pPr>
             <a:lvl9pPr>
-              <a:defRPr sz="800"/>
+              <a:defRPr sz="933"/>
             </a:lvl9pPr>
           </a:lstStyle>
           <a:p>
@@ -2028,8 +2028,8 @@
         </p:nvSpPr>
         <p:spPr>
           <a:xfrm>
-            <a:off x="503873" y="822960"/>
-            <a:ext cx="2359342" cy="1524635"/>
+            <a:off x="560515" y="960120"/>
+            <a:ext cx="2624563" cy="1778741"/>
           </a:xfrm>
         </p:spPr>
         <p:txBody>
@@ -2037,39 +2037,39 @@
           <a:lstStyle>
             <a:lvl1pPr marL="0" indent="0">
               <a:buNone/>
-              <a:defRPr sz="640"/>
+              <a:defRPr sz="747"/>
             </a:lvl1pPr>
-            <a:lvl2pPr marL="182880" indent="0">
+            <a:lvl2pPr marL="213375" indent="0">
+              <a:buNone/>
+              <a:defRPr sz="653"/>
+            </a:lvl2pPr>
+            <a:lvl3pPr marL="426750" indent="0">
               <a:buNone/>
               <a:defRPr sz="560"/>
-            </a:lvl2pPr>
-            <a:lvl3pPr marL="365760" indent="0">
-              <a:buNone/>
-              <a:defRPr sz="480"/>
             </a:lvl3pPr>
-            <a:lvl4pPr marL="548640" indent="0">
-              <a:buNone/>
-              <a:defRPr sz="400"/>
+            <a:lvl4pPr marL="640126" indent="0">
+              <a:buNone/>
+              <a:defRPr sz="467"/>
             </a:lvl4pPr>
-            <a:lvl5pPr marL="731520" indent="0">
-              <a:buNone/>
-              <a:defRPr sz="400"/>
+            <a:lvl5pPr marL="853501" indent="0">
+              <a:buNone/>
+              <a:defRPr sz="467"/>
             </a:lvl5pPr>
-            <a:lvl6pPr marL="914400" indent="0">
-              <a:buNone/>
-              <a:defRPr sz="400"/>
+            <a:lvl6pPr marL="1066876" indent="0">
+              <a:buNone/>
+              <a:defRPr sz="467"/>
             </a:lvl6pPr>
-            <a:lvl7pPr marL="1097280" indent="0">
-              <a:buNone/>
-              <a:defRPr sz="400"/>
+            <a:lvl7pPr marL="1280251" indent="0">
+              <a:buNone/>
+              <a:defRPr sz="467"/>
             </a:lvl7pPr>
-            <a:lvl8pPr marL="1280160" indent="0">
-              <a:buNone/>
-              <a:defRPr sz="400"/>
+            <a:lvl8pPr marL="1493627" indent="0">
+              <a:buNone/>
+              <a:defRPr sz="467"/>
             </a:lvl8pPr>
-            <a:lvl9pPr marL="1463040" indent="0">
-              <a:buNone/>
-              <a:defRPr sz="400"/>
+            <a:lvl9pPr marL="1707002" indent="0">
+              <a:buNone/>
+              <a:defRPr sz="467"/>
             </a:lvl9pPr>
           </a:lstStyle>
           <a:p>
@@ -2098,7 +2098,7 @@
           <a:p>
             <a:fld id="{C48BF103-B019-4C03-B7DF-16D4A730CE6A}" type="datetimeFigureOut">
               <a:rPr lang="en-US" smtClean="0"/>
-              <a:t>17/03/02</a:t>
+              <a:t>17/03/06</a:t>
             </a:fld>
             <a:endParaRPr lang="en-US"/>
           </a:p>
@@ -2149,7 +2149,7 @@
     </p:spTree>
     <p:extLst>
       <p:ext uri="{BB962C8B-B14F-4D97-AF65-F5344CB8AC3E}">
-        <p14:creationId xmlns:p14="http://schemas.microsoft.com/office/powerpoint/2010/main" val="1562830439"/>
+        <p14:creationId xmlns:p14="http://schemas.microsoft.com/office/powerpoint/2010/main" val="544616752"/>
       </p:ext>
     </p:extLst>
   </p:cSld>
@@ -2188,15 +2188,15 @@
         </p:nvSpPr>
         <p:spPr>
           <a:xfrm>
-            <a:off x="503873" y="182880"/>
-            <a:ext cx="2359342" cy="640080"/>
+            <a:off x="560515" y="213360"/>
+            <a:ext cx="2624563" cy="746760"/>
           </a:xfrm>
         </p:spPr>
         <p:txBody>
           <a:bodyPr anchor="b"/>
           <a:lstStyle>
             <a:lvl1pPr>
-              <a:defRPr sz="1280"/>
+              <a:defRPr sz="1493"/>
             </a:lvl1pPr>
           </a:lstStyle>
           <a:p>
@@ -2220,8 +2220,8 @@
         </p:nvSpPr>
         <p:spPr>
           <a:xfrm>
-            <a:off x="3109913" y="394970"/>
-            <a:ext cx="3703320" cy="1949450"/>
+            <a:off x="3459508" y="460799"/>
+            <a:ext cx="4119622" cy="2274358"/>
           </a:xfrm>
         </p:spPr>
         <p:txBody>
@@ -2229,39 +2229,39 @@
           <a:lstStyle>
             <a:lvl1pPr marL="0" indent="0">
               <a:buNone/>
-              <a:defRPr sz="1280"/>
+              <a:defRPr sz="1493"/>
             </a:lvl1pPr>
-            <a:lvl2pPr marL="182880" indent="0">
+            <a:lvl2pPr marL="213375" indent="0">
+              <a:buNone/>
+              <a:defRPr sz="1307"/>
+            </a:lvl2pPr>
+            <a:lvl3pPr marL="426750" indent="0">
               <a:buNone/>
               <a:defRPr sz="1120"/>
-            </a:lvl2pPr>
-            <a:lvl3pPr marL="365760" indent="0">
-              <a:buNone/>
-              <a:defRPr sz="960"/>
             </a:lvl3pPr>
-            <a:lvl4pPr marL="548640" indent="0">
-              <a:buNone/>
-              <a:defRPr sz="800"/>
+            <a:lvl4pPr marL="640126" indent="0">
+              <a:buNone/>
+              <a:defRPr sz="933"/>
             </a:lvl4pPr>
-            <a:lvl5pPr marL="731520" indent="0">
-              <a:buNone/>
-              <a:defRPr sz="800"/>
+            <a:lvl5pPr marL="853501" indent="0">
+              <a:buNone/>
+              <a:defRPr sz="933"/>
             </a:lvl5pPr>
-            <a:lvl6pPr marL="914400" indent="0">
-              <a:buNone/>
-              <a:defRPr sz="800"/>
+            <a:lvl6pPr marL="1066876" indent="0">
+              <a:buNone/>
+              <a:defRPr sz="933"/>
             </a:lvl6pPr>
-            <a:lvl7pPr marL="1097280" indent="0">
-              <a:buNone/>
-              <a:defRPr sz="800"/>
+            <a:lvl7pPr marL="1280251" indent="0">
+              <a:buNone/>
+              <a:defRPr sz="933"/>
             </a:lvl7pPr>
-            <a:lvl8pPr marL="1280160" indent="0">
-              <a:buNone/>
-              <a:defRPr sz="800"/>
+            <a:lvl8pPr marL="1493627" indent="0">
+              <a:buNone/>
+              <a:defRPr sz="933"/>
             </a:lvl8pPr>
-            <a:lvl9pPr marL="1463040" indent="0">
-              <a:buNone/>
-              <a:defRPr sz="800"/>
+            <a:lvl9pPr marL="1707002" indent="0">
+              <a:buNone/>
+              <a:defRPr sz="933"/>
             </a:lvl9pPr>
           </a:lstStyle>
           <a:p>
@@ -2285,8 +2285,8 @@
         </p:nvSpPr>
         <p:spPr>
           <a:xfrm>
-            <a:off x="503873" y="822960"/>
-            <a:ext cx="2359342" cy="1524635"/>
+            <a:off x="560515" y="960120"/>
+            <a:ext cx="2624563" cy="1778741"/>
           </a:xfrm>
         </p:spPr>
         <p:txBody>
@@ -2294,39 +2294,39 @@
           <a:lstStyle>
             <a:lvl1pPr marL="0" indent="0">
               <a:buNone/>
-              <a:defRPr sz="640"/>
+              <a:defRPr sz="747"/>
             </a:lvl1pPr>
-            <a:lvl2pPr marL="182880" indent="0">
+            <a:lvl2pPr marL="213375" indent="0">
+              <a:buNone/>
+              <a:defRPr sz="653"/>
+            </a:lvl2pPr>
+            <a:lvl3pPr marL="426750" indent="0">
               <a:buNone/>
               <a:defRPr sz="560"/>
-            </a:lvl2pPr>
-            <a:lvl3pPr marL="365760" indent="0">
-              <a:buNone/>
-              <a:defRPr sz="480"/>
             </a:lvl3pPr>
-            <a:lvl4pPr marL="548640" indent="0">
-              <a:buNone/>
-              <a:defRPr sz="400"/>
+            <a:lvl4pPr marL="640126" indent="0">
+              <a:buNone/>
+              <a:defRPr sz="467"/>
             </a:lvl4pPr>
-            <a:lvl5pPr marL="731520" indent="0">
-              <a:buNone/>
-              <a:defRPr sz="400"/>
+            <a:lvl5pPr marL="853501" indent="0">
+              <a:buNone/>
+              <a:defRPr sz="467"/>
             </a:lvl5pPr>
-            <a:lvl6pPr marL="914400" indent="0">
-              <a:buNone/>
-              <a:defRPr sz="400"/>
+            <a:lvl6pPr marL="1066876" indent="0">
+              <a:buNone/>
+              <a:defRPr sz="467"/>
             </a:lvl6pPr>
-            <a:lvl7pPr marL="1097280" indent="0">
-              <a:buNone/>
-              <a:defRPr sz="400"/>
+            <a:lvl7pPr marL="1280251" indent="0">
+              <a:buNone/>
+              <a:defRPr sz="467"/>
             </a:lvl7pPr>
-            <a:lvl8pPr marL="1280160" indent="0">
-              <a:buNone/>
-              <a:defRPr sz="400"/>
+            <a:lvl8pPr marL="1493627" indent="0">
+              <a:buNone/>
+              <a:defRPr sz="467"/>
             </a:lvl8pPr>
-            <a:lvl9pPr marL="1463040" indent="0">
-              <a:buNone/>
-              <a:defRPr sz="400"/>
+            <a:lvl9pPr marL="1707002" indent="0">
+              <a:buNone/>
+              <a:defRPr sz="467"/>
             </a:lvl9pPr>
           </a:lstStyle>
           <a:p>
@@ -2355,7 +2355,7 @@
           <a:p>
             <a:fld id="{C48BF103-B019-4C03-B7DF-16D4A730CE6A}" type="datetimeFigureOut">
               <a:rPr lang="en-US" smtClean="0"/>
-              <a:t>17/03/02</a:t>
+              <a:t>17/03/06</a:t>
             </a:fld>
             <a:endParaRPr lang="en-US"/>
           </a:p>
@@ -2406,7 +2406,7 @@
     </p:spTree>
     <p:extLst>
       <p:ext uri="{BB962C8B-B14F-4D97-AF65-F5344CB8AC3E}">
-        <p14:creationId xmlns:p14="http://schemas.microsoft.com/office/powerpoint/2010/main" val="2575599942"/>
+        <p14:creationId xmlns:p14="http://schemas.microsoft.com/office/powerpoint/2010/main" val="3582342961"/>
       </p:ext>
     </p:extLst>
   </p:cSld>
@@ -2450,8 +2450,8 @@
         </p:nvSpPr>
         <p:spPr>
           <a:xfrm>
-            <a:off x="502920" y="146050"/>
-            <a:ext cx="6309360" cy="530225"/>
+            <a:off x="559455" y="170392"/>
+            <a:ext cx="7018615" cy="618596"/>
           </a:xfrm>
           <a:prstGeom prst="rect">
             <a:avLst/>
@@ -2483,8 +2483,8 @@
         </p:nvSpPr>
         <p:spPr>
           <a:xfrm>
-            <a:off x="502920" y="730250"/>
-            <a:ext cx="6309360" cy="1740535"/>
+            <a:off x="559455" y="851959"/>
+            <a:ext cx="7018615" cy="2030624"/>
           </a:xfrm>
           <a:prstGeom prst="rect">
             <a:avLst/>
@@ -2545,8 +2545,8 @@
         </p:nvSpPr>
         <p:spPr>
           <a:xfrm>
-            <a:off x="502920" y="2542540"/>
-            <a:ext cx="1645920" cy="146050"/>
+            <a:off x="559455" y="2966297"/>
+            <a:ext cx="1830943" cy="170392"/>
           </a:xfrm>
           <a:prstGeom prst="rect">
             <a:avLst/>
@@ -2556,7 +2556,7 @@
           <a:bodyPr vert="horz" lIns="91440" tIns="45720" rIns="91440" bIns="45720" rtlCol="0" anchor="ctr"/>
           <a:lstStyle>
             <a:lvl1pPr algn="l">
-              <a:defRPr sz="480">
+              <a:defRPr sz="560">
                 <a:solidFill>
                   <a:schemeClr val="tx1">
                     <a:tint val="75000"/>
@@ -2568,7 +2568,7 @@
           <a:p>
             <a:fld id="{C48BF103-B019-4C03-B7DF-16D4A730CE6A}" type="datetimeFigureOut">
               <a:rPr lang="en-US" smtClean="0"/>
-              <a:t>17/03/02</a:t>
+              <a:t>17/03/06</a:t>
             </a:fld>
             <a:endParaRPr lang="en-US"/>
           </a:p>
@@ -2586,8 +2586,8 @@
         </p:nvSpPr>
         <p:spPr>
           <a:xfrm>
-            <a:off x="2423160" y="2542540"/>
-            <a:ext cx="2468880" cy="146050"/>
+            <a:off x="2695555" y="2966297"/>
+            <a:ext cx="2746415" cy="170392"/>
           </a:xfrm>
           <a:prstGeom prst="rect">
             <a:avLst/>
@@ -2597,7 +2597,7 @@
           <a:bodyPr vert="horz" lIns="91440" tIns="45720" rIns="91440" bIns="45720" rtlCol="0" anchor="ctr"/>
           <a:lstStyle>
             <a:lvl1pPr algn="ctr">
-              <a:defRPr sz="480">
+              <a:defRPr sz="560">
                 <a:solidFill>
                   <a:schemeClr val="tx1">
                     <a:tint val="75000"/>
@@ -2623,8 +2623,8 @@
         </p:nvSpPr>
         <p:spPr>
           <a:xfrm>
-            <a:off x="5166360" y="2542540"/>
-            <a:ext cx="1645920" cy="146050"/>
+            <a:off x="5747127" y="2966297"/>
+            <a:ext cx="1830943" cy="170392"/>
           </a:xfrm>
           <a:prstGeom prst="rect">
             <a:avLst/>
@@ -2634,7 +2634,7 @@
           <a:bodyPr vert="horz" lIns="91440" tIns="45720" rIns="91440" bIns="45720" rtlCol="0" anchor="ctr"/>
           <a:lstStyle>
             <a:lvl1pPr algn="r">
-              <a:defRPr sz="480">
+              <a:defRPr sz="560">
                 <a:solidFill>
                   <a:schemeClr val="tx1">
                     <a:tint val="75000"/>
@@ -2655,27 +2655,27 @@
     </p:spTree>
     <p:extLst>
       <p:ext uri="{BB962C8B-B14F-4D97-AF65-F5344CB8AC3E}">
-        <p14:creationId xmlns:p14="http://schemas.microsoft.com/office/powerpoint/2010/main" val="3556202970"/>
+        <p14:creationId xmlns:p14="http://schemas.microsoft.com/office/powerpoint/2010/main" val="1277202951"/>
       </p:ext>
     </p:extLst>
   </p:cSld>
   <p:clrMap bg1="lt1" tx1="dk1" bg2="lt2" tx2="dk2" accent1="accent1" accent2="accent2" accent3="accent3" accent4="accent4" accent5="accent5" accent6="accent6" hlink="hlink" folHlink="folHlink"/>
   <p:sldLayoutIdLst>
-    <p:sldLayoutId id="2147483733" r:id="rId1"/>
-    <p:sldLayoutId id="2147483734" r:id="rId2"/>
-    <p:sldLayoutId id="2147483735" r:id="rId3"/>
-    <p:sldLayoutId id="2147483736" r:id="rId4"/>
-    <p:sldLayoutId id="2147483737" r:id="rId5"/>
-    <p:sldLayoutId id="2147483738" r:id="rId6"/>
-    <p:sldLayoutId id="2147483739" r:id="rId7"/>
-    <p:sldLayoutId id="2147483740" r:id="rId8"/>
-    <p:sldLayoutId id="2147483741" r:id="rId9"/>
-    <p:sldLayoutId id="2147483742" r:id="rId10"/>
-    <p:sldLayoutId id="2147483743" r:id="rId11"/>
+    <p:sldLayoutId id="2147483757" r:id="rId1"/>
+    <p:sldLayoutId id="2147483758" r:id="rId2"/>
+    <p:sldLayoutId id="2147483759" r:id="rId3"/>
+    <p:sldLayoutId id="2147483760" r:id="rId4"/>
+    <p:sldLayoutId id="2147483761" r:id="rId5"/>
+    <p:sldLayoutId id="2147483762" r:id="rId6"/>
+    <p:sldLayoutId id="2147483763" r:id="rId7"/>
+    <p:sldLayoutId id="2147483764" r:id="rId8"/>
+    <p:sldLayoutId id="2147483765" r:id="rId9"/>
+    <p:sldLayoutId id="2147483766" r:id="rId10"/>
+    <p:sldLayoutId id="2147483767" r:id="rId11"/>
   </p:sldLayoutIdLst>
   <p:txStyles>
     <p:titleStyle>
-      <a:lvl1pPr algn="l" defTabSz="365760" rtl="0" eaLnBrk="1" latinLnBrk="0" hangingPunct="1">
+      <a:lvl1pPr algn="l" defTabSz="426750" rtl="0" eaLnBrk="1" latinLnBrk="0" hangingPunct="1">
         <a:lnSpc>
           <a:spcPct val="90000"/>
         </a:lnSpc>
@@ -2683,7 +2683,7 @@
           <a:spcPct val="0"/>
         </a:spcBef>
         <a:buNone/>
-        <a:defRPr sz="1760" kern="1200">
+        <a:defRPr sz="2053" kern="1200">
           <a:solidFill>
             <a:schemeClr val="tx1"/>
           </a:solidFill>
@@ -2694,12 +2694,30 @@
       </a:lvl1pPr>
     </p:titleStyle>
     <p:bodyStyle>
-      <a:lvl1pPr marL="91440" indent="-91440" algn="l" defTabSz="365760" rtl="0" eaLnBrk="1" latinLnBrk="0" hangingPunct="1">
+      <a:lvl1pPr marL="106688" indent="-106688" algn="l" defTabSz="426750" rtl="0" eaLnBrk="1" latinLnBrk="0" hangingPunct="1">
         <a:lnSpc>
           <a:spcPct val="90000"/>
         </a:lnSpc>
         <a:spcBef>
-          <a:spcPts val="400"/>
+          <a:spcPts val="467"/>
+        </a:spcBef>
+        <a:buFont typeface="Arial" panose="020B0604020202020204" pitchFamily="34" charset="0"/>
+        <a:buChar char="•"/>
+        <a:defRPr sz="1307" kern="1200">
+          <a:solidFill>
+            <a:schemeClr val="tx1"/>
+          </a:solidFill>
+          <a:latin typeface="+mn-lt"/>
+          <a:ea typeface="+mn-ea"/>
+          <a:cs typeface="+mn-cs"/>
+        </a:defRPr>
+      </a:lvl1pPr>
+      <a:lvl2pPr marL="320063" indent="-106688" algn="l" defTabSz="426750" rtl="0" eaLnBrk="1" latinLnBrk="0" hangingPunct="1">
+        <a:lnSpc>
+          <a:spcPct val="90000"/>
+        </a:lnSpc>
+        <a:spcBef>
+          <a:spcPts val="233"/>
         </a:spcBef>
         <a:buFont typeface="Arial" panose="020B0604020202020204" pitchFamily="34" charset="0"/>
         <a:buChar char="•"/>
@@ -2711,35 +2729,17 @@
           <a:ea typeface="+mn-ea"/>
           <a:cs typeface="+mn-cs"/>
         </a:defRPr>
-      </a:lvl1pPr>
-      <a:lvl2pPr marL="274320" indent="-91440" algn="l" defTabSz="365760" rtl="0" eaLnBrk="1" latinLnBrk="0" hangingPunct="1">
+      </a:lvl2pPr>
+      <a:lvl3pPr marL="533438" indent="-106688" algn="l" defTabSz="426750" rtl="0" eaLnBrk="1" latinLnBrk="0" hangingPunct="1">
         <a:lnSpc>
           <a:spcPct val="90000"/>
         </a:lnSpc>
         <a:spcBef>
-          <a:spcPts val="200"/>
+          <a:spcPts val="233"/>
         </a:spcBef>
         <a:buFont typeface="Arial" panose="020B0604020202020204" pitchFamily="34" charset="0"/>
         <a:buChar char="•"/>
-        <a:defRPr sz="960" kern="1200">
-          <a:solidFill>
-            <a:schemeClr val="tx1"/>
-          </a:solidFill>
-          <a:latin typeface="+mn-lt"/>
-          <a:ea typeface="+mn-ea"/>
-          <a:cs typeface="+mn-cs"/>
-        </a:defRPr>
-      </a:lvl2pPr>
-      <a:lvl3pPr marL="457200" indent="-91440" algn="l" defTabSz="365760" rtl="0" eaLnBrk="1" latinLnBrk="0" hangingPunct="1">
-        <a:lnSpc>
-          <a:spcPct val="90000"/>
-        </a:lnSpc>
-        <a:spcBef>
-          <a:spcPts val="200"/>
-        </a:spcBef>
-        <a:buFont typeface="Arial" panose="020B0604020202020204" pitchFamily="34" charset="0"/>
-        <a:buChar char="•"/>
-        <a:defRPr sz="800" kern="1200">
+        <a:defRPr sz="933" kern="1200">
           <a:solidFill>
             <a:schemeClr val="tx1"/>
           </a:solidFill>
@@ -2748,16 +2748,16 @@
           <a:cs typeface="+mn-cs"/>
         </a:defRPr>
       </a:lvl3pPr>
-      <a:lvl4pPr marL="640080" indent="-91440" algn="l" defTabSz="365760" rtl="0" eaLnBrk="1" latinLnBrk="0" hangingPunct="1">
+      <a:lvl4pPr marL="746813" indent="-106688" algn="l" defTabSz="426750" rtl="0" eaLnBrk="1" latinLnBrk="0" hangingPunct="1">
         <a:lnSpc>
           <a:spcPct val="90000"/>
         </a:lnSpc>
         <a:spcBef>
-          <a:spcPts val="200"/>
+          <a:spcPts val="233"/>
         </a:spcBef>
         <a:buFont typeface="Arial" panose="020B0604020202020204" pitchFamily="34" charset="0"/>
         <a:buChar char="•"/>
-        <a:defRPr sz="720" kern="1200">
+        <a:defRPr sz="840" kern="1200">
           <a:solidFill>
             <a:schemeClr val="tx1"/>
           </a:solidFill>
@@ -2766,16 +2766,16 @@
           <a:cs typeface="+mn-cs"/>
         </a:defRPr>
       </a:lvl4pPr>
-      <a:lvl5pPr marL="822960" indent="-91440" algn="l" defTabSz="365760" rtl="0" eaLnBrk="1" latinLnBrk="0" hangingPunct="1">
+      <a:lvl5pPr marL="960189" indent="-106688" algn="l" defTabSz="426750" rtl="0" eaLnBrk="1" latinLnBrk="0" hangingPunct="1">
         <a:lnSpc>
           <a:spcPct val="90000"/>
         </a:lnSpc>
         <a:spcBef>
-          <a:spcPts val="200"/>
+          <a:spcPts val="233"/>
         </a:spcBef>
         <a:buFont typeface="Arial" panose="020B0604020202020204" pitchFamily="34" charset="0"/>
         <a:buChar char="•"/>
-        <a:defRPr sz="720" kern="1200">
+        <a:defRPr sz="840" kern="1200">
           <a:solidFill>
             <a:schemeClr val="tx1"/>
           </a:solidFill>
@@ -2784,16 +2784,16 @@
           <a:cs typeface="+mn-cs"/>
         </a:defRPr>
       </a:lvl5pPr>
-      <a:lvl6pPr marL="1005840" indent="-91440" algn="l" defTabSz="365760" rtl="0" eaLnBrk="1" latinLnBrk="0" hangingPunct="1">
+      <a:lvl6pPr marL="1173564" indent="-106688" algn="l" defTabSz="426750" rtl="0" eaLnBrk="1" latinLnBrk="0" hangingPunct="1">
         <a:lnSpc>
           <a:spcPct val="90000"/>
         </a:lnSpc>
         <a:spcBef>
-          <a:spcPts val="200"/>
+          <a:spcPts val="233"/>
         </a:spcBef>
         <a:buFont typeface="Arial" panose="020B0604020202020204" pitchFamily="34" charset="0"/>
         <a:buChar char="•"/>
-        <a:defRPr sz="720" kern="1200">
+        <a:defRPr sz="840" kern="1200">
           <a:solidFill>
             <a:schemeClr val="tx1"/>
           </a:solidFill>
@@ -2802,16 +2802,16 @@
           <a:cs typeface="+mn-cs"/>
         </a:defRPr>
       </a:lvl6pPr>
-      <a:lvl7pPr marL="1188720" indent="-91440" algn="l" defTabSz="365760" rtl="0" eaLnBrk="1" latinLnBrk="0" hangingPunct="1">
+      <a:lvl7pPr marL="1386939" indent="-106688" algn="l" defTabSz="426750" rtl="0" eaLnBrk="1" latinLnBrk="0" hangingPunct="1">
         <a:lnSpc>
           <a:spcPct val="90000"/>
         </a:lnSpc>
         <a:spcBef>
-          <a:spcPts val="200"/>
+          <a:spcPts val="233"/>
         </a:spcBef>
         <a:buFont typeface="Arial" panose="020B0604020202020204" pitchFamily="34" charset="0"/>
         <a:buChar char="•"/>
-        <a:defRPr sz="720" kern="1200">
+        <a:defRPr sz="840" kern="1200">
           <a:solidFill>
             <a:schemeClr val="tx1"/>
           </a:solidFill>
@@ -2820,16 +2820,16 @@
           <a:cs typeface="+mn-cs"/>
         </a:defRPr>
       </a:lvl7pPr>
-      <a:lvl8pPr marL="1371600" indent="-91440" algn="l" defTabSz="365760" rtl="0" eaLnBrk="1" latinLnBrk="0" hangingPunct="1">
+      <a:lvl8pPr marL="1600314" indent="-106688" algn="l" defTabSz="426750" rtl="0" eaLnBrk="1" latinLnBrk="0" hangingPunct="1">
         <a:lnSpc>
           <a:spcPct val="90000"/>
         </a:lnSpc>
         <a:spcBef>
-          <a:spcPts val="200"/>
+          <a:spcPts val="233"/>
         </a:spcBef>
         <a:buFont typeface="Arial" panose="020B0604020202020204" pitchFamily="34" charset="0"/>
         <a:buChar char="•"/>
-        <a:defRPr sz="720" kern="1200">
+        <a:defRPr sz="840" kern="1200">
           <a:solidFill>
             <a:schemeClr val="tx1"/>
           </a:solidFill>
@@ -2838,16 +2838,16 @@
           <a:cs typeface="+mn-cs"/>
         </a:defRPr>
       </a:lvl8pPr>
-      <a:lvl9pPr marL="1554480" indent="-91440" algn="l" defTabSz="365760" rtl="0" eaLnBrk="1" latinLnBrk="0" hangingPunct="1">
+      <a:lvl9pPr marL="1813690" indent="-106688" algn="l" defTabSz="426750" rtl="0" eaLnBrk="1" latinLnBrk="0" hangingPunct="1">
         <a:lnSpc>
           <a:spcPct val="90000"/>
         </a:lnSpc>
         <a:spcBef>
-          <a:spcPts val="200"/>
+          <a:spcPts val="233"/>
         </a:spcBef>
         <a:buFont typeface="Arial" panose="020B0604020202020204" pitchFamily="34" charset="0"/>
         <a:buChar char="•"/>
-        <a:defRPr sz="720" kern="1200">
+        <a:defRPr sz="840" kern="1200">
           <a:solidFill>
             <a:schemeClr val="tx1"/>
           </a:solidFill>
@@ -2861,8 +2861,8 @@
       <a:defPPr>
         <a:defRPr lang="en-US"/>
       </a:defPPr>
-      <a:lvl1pPr marL="0" algn="l" defTabSz="365760" rtl="0" eaLnBrk="1" latinLnBrk="0" hangingPunct="1">
-        <a:defRPr sz="720" kern="1200">
+      <a:lvl1pPr marL="0" algn="l" defTabSz="426750" rtl="0" eaLnBrk="1" latinLnBrk="0" hangingPunct="1">
+        <a:defRPr sz="840" kern="1200">
           <a:solidFill>
             <a:schemeClr val="tx1"/>
           </a:solidFill>
@@ -2871,8 +2871,8 @@
           <a:cs typeface="+mn-cs"/>
         </a:defRPr>
       </a:lvl1pPr>
-      <a:lvl2pPr marL="182880" algn="l" defTabSz="365760" rtl="0" eaLnBrk="1" latinLnBrk="0" hangingPunct="1">
-        <a:defRPr sz="720" kern="1200">
+      <a:lvl2pPr marL="213375" algn="l" defTabSz="426750" rtl="0" eaLnBrk="1" latinLnBrk="0" hangingPunct="1">
+        <a:defRPr sz="840" kern="1200">
           <a:solidFill>
             <a:schemeClr val="tx1"/>
           </a:solidFill>
@@ -2881,8 +2881,8 @@
           <a:cs typeface="+mn-cs"/>
         </a:defRPr>
       </a:lvl2pPr>
-      <a:lvl3pPr marL="365760" algn="l" defTabSz="365760" rtl="0" eaLnBrk="1" latinLnBrk="0" hangingPunct="1">
-        <a:defRPr sz="720" kern="1200">
+      <a:lvl3pPr marL="426750" algn="l" defTabSz="426750" rtl="0" eaLnBrk="1" latinLnBrk="0" hangingPunct="1">
+        <a:defRPr sz="840" kern="1200">
           <a:solidFill>
             <a:schemeClr val="tx1"/>
           </a:solidFill>
@@ -2891,8 +2891,8 @@
           <a:cs typeface="+mn-cs"/>
         </a:defRPr>
       </a:lvl3pPr>
-      <a:lvl4pPr marL="548640" algn="l" defTabSz="365760" rtl="0" eaLnBrk="1" latinLnBrk="0" hangingPunct="1">
-        <a:defRPr sz="720" kern="1200">
+      <a:lvl4pPr marL="640126" algn="l" defTabSz="426750" rtl="0" eaLnBrk="1" latinLnBrk="0" hangingPunct="1">
+        <a:defRPr sz="840" kern="1200">
           <a:solidFill>
             <a:schemeClr val="tx1"/>
           </a:solidFill>
@@ -2901,8 +2901,8 @@
           <a:cs typeface="+mn-cs"/>
         </a:defRPr>
       </a:lvl4pPr>
-      <a:lvl5pPr marL="731520" algn="l" defTabSz="365760" rtl="0" eaLnBrk="1" latinLnBrk="0" hangingPunct="1">
-        <a:defRPr sz="720" kern="1200">
+      <a:lvl5pPr marL="853501" algn="l" defTabSz="426750" rtl="0" eaLnBrk="1" latinLnBrk="0" hangingPunct="1">
+        <a:defRPr sz="840" kern="1200">
           <a:solidFill>
             <a:schemeClr val="tx1"/>
           </a:solidFill>
@@ -2911,8 +2911,8 @@
           <a:cs typeface="+mn-cs"/>
         </a:defRPr>
       </a:lvl5pPr>
-      <a:lvl6pPr marL="914400" algn="l" defTabSz="365760" rtl="0" eaLnBrk="1" latinLnBrk="0" hangingPunct="1">
-        <a:defRPr sz="720" kern="1200">
+      <a:lvl6pPr marL="1066876" algn="l" defTabSz="426750" rtl="0" eaLnBrk="1" latinLnBrk="0" hangingPunct="1">
+        <a:defRPr sz="840" kern="1200">
           <a:solidFill>
             <a:schemeClr val="tx1"/>
           </a:solidFill>
@@ -2921,8 +2921,8 @@
           <a:cs typeface="+mn-cs"/>
         </a:defRPr>
       </a:lvl6pPr>
-      <a:lvl7pPr marL="1097280" algn="l" defTabSz="365760" rtl="0" eaLnBrk="1" latinLnBrk="0" hangingPunct="1">
-        <a:defRPr sz="720" kern="1200">
+      <a:lvl7pPr marL="1280251" algn="l" defTabSz="426750" rtl="0" eaLnBrk="1" latinLnBrk="0" hangingPunct="1">
+        <a:defRPr sz="840" kern="1200">
           <a:solidFill>
             <a:schemeClr val="tx1"/>
           </a:solidFill>
@@ -2931,8 +2931,8 @@
           <a:cs typeface="+mn-cs"/>
         </a:defRPr>
       </a:lvl7pPr>
-      <a:lvl8pPr marL="1280160" algn="l" defTabSz="365760" rtl="0" eaLnBrk="1" latinLnBrk="0" hangingPunct="1">
-        <a:defRPr sz="720" kern="1200">
+      <a:lvl8pPr marL="1493627" algn="l" defTabSz="426750" rtl="0" eaLnBrk="1" latinLnBrk="0" hangingPunct="1">
+        <a:defRPr sz="840" kern="1200">
           <a:solidFill>
             <a:schemeClr val="tx1"/>
           </a:solidFill>
@@ -2941,8 +2941,8 @@
           <a:cs typeface="+mn-cs"/>
         </a:defRPr>
       </a:lvl8pPr>
-      <a:lvl9pPr marL="1463040" algn="l" defTabSz="365760" rtl="0" eaLnBrk="1" latinLnBrk="0" hangingPunct="1">
-        <a:defRPr sz="720" kern="1200">
+      <a:lvl9pPr marL="1707002" algn="l" defTabSz="426750" rtl="0" eaLnBrk="1" latinLnBrk="0" hangingPunct="1">
+        <a:defRPr sz="840" kern="1200">
           <a:solidFill>
             <a:schemeClr val="tx1"/>
           </a:solidFill>
@@ -2975,28 +2975,28 @@
       </p:grpSpPr>
       <p:grpSp>
         <p:nvGrpSpPr>
-          <p:cNvPr id="37" name="Group 36"/>
+          <p:cNvPr id="137" name="Group 136"/>
           <p:cNvGrpSpPr/>
           <p:nvPr/>
         </p:nvGrpSpPr>
         <p:grpSpPr>
           <a:xfrm>
-            <a:off x="127809" y="51557"/>
-            <a:ext cx="7078646" cy="2657139"/>
-            <a:chOff x="166628" y="392654"/>
-            <a:chExt cx="7078646" cy="2657139"/>
+            <a:off x="19050" y="38101"/>
+            <a:ext cx="8049664" cy="3130549"/>
+            <a:chOff x="523482" y="323850"/>
+            <a:chExt cx="8049664" cy="3130549"/>
           </a:xfrm>
         </p:grpSpPr>
         <p:sp>
           <p:nvSpPr>
-            <p:cNvPr id="38" name="Rectangle: Rounded Corners 37"/>
+            <p:cNvPr id="138" name="Rectangle: Rounded Corners 137"/>
             <p:cNvSpPr/>
             <p:nvPr/>
           </p:nvSpPr>
           <p:spPr>
             <a:xfrm>
-              <a:off x="1554479" y="392654"/>
-              <a:ext cx="5690795" cy="2657139"/>
+              <a:off x="1790700" y="323850"/>
+              <a:ext cx="5904705" cy="3130549"/>
             </a:xfrm>
             <a:prstGeom prst="roundRect">
               <a:avLst/>
@@ -3027,14 +3027,14 @@
         </p:sp>
         <p:sp>
           <p:nvSpPr>
-            <p:cNvPr id="39" name="Rectangle: Rounded Corners 38"/>
+            <p:cNvPr id="139" name="Rectangle: Rounded Corners 138"/>
             <p:cNvSpPr/>
             <p:nvPr/>
           </p:nvSpPr>
           <p:spPr>
             <a:xfrm>
-              <a:off x="1687266" y="883479"/>
-              <a:ext cx="1849349" cy="1988813"/>
+              <a:off x="5714313" y="1771651"/>
+              <a:ext cx="1849349" cy="1536700"/>
             </a:xfrm>
             <a:prstGeom prst="roundRect">
               <a:avLst/>
@@ -3065,14 +3065,14 @@
         </p:sp>
         <p:sp>
           <p:nvSpPr>
-            <p:cNvPr id="40" name="Rectangle: Rounded Corners 39"/>
+            <p:cNvPr id="140" name="Rectangle: Rounded Corners 139"/>
             <p:cNvSpPr/>
             <p:nvPr/>
           </p:nvSpPr>
           <p:spPr>
             <a:xfrm>
-              <a:off x="5264182" y="883479"/>
-              <a:ext cx="1849349" cy="1988812"/>
+              <a:off x="5714313" y="711201"/>
+              <a:ext cx="1849349" cy="900724"/>
             </a:xfrm>
             <a:prstGeom prst="roundRect">
               <a:avLst/>
@@ -3106,14 +3106,262 @@
         </p:sp>
         <p:sp>
           <p:nvSpPr>
-            <p:cNvPr id="41" name="Rectangle: Rounded Corners 40"/>
+            <p:cNvPr id="141" name="TextBox 140"/>
+            <p:cNvSpPr txBox="1"/>
+            <p:nvPr/>
+          </p:nvSpPr>
+          <p:spPr>
+            <a:xfrm>
+              <a:off x="5816880" y="1861602"/>
+              <a:ext cx="1726691" cy="369332"/>
+            </a:xfrm>
+            <a:prstGeom prst="rect">
+              <a:avLst/>
+            </a:prstGeom>
+            <a:noFill/>
+          </p:spPr>
+          <p:txBody>
+            <a:bodyPr wrap="none" rtlCol="0">
+              <a:spAutoFit/>
+            </a:bodyPr>
+            <a:lstStyle/>
+            <a:p>
+              <a:r>
+                <a:rPr lang="en-US" dirty="0"/>
+                <a:t>Safety controller</a:t>
+              </a:r>
+            </a:p>
+          </p:txBody>
+        </p:sp>
+        <p:sp>
+          <p:nvSpPr>
+            <p:cNvPr id="142" name="TextBox 141"/>
+            <p:cNvSpPr txBox="1"/>
+            <p:nvPr/>
+          </p:nvSpPr>
+          <p:spPr>
+            <a:xfrm>
+              <a:off x="2060895" y="382171"/>
+              <a:ext cx="3327706" cy="461665"/>
+            </a:xfrm>
+            <a:prstGeom prst="rect">
+              <a:avLst/>
+            </a:prstGeom>
+            <a:noFill/>
+          </p:spPr>
+          <p:txBody>
+            <a:bodyPr wrap="none" rtlCol="0">
+              <a:spAutoFit/>
+            </a:bodyPr>
+            <a:lstStyle/>
+            <a:p>
+              <a:r>
+                <a:rPr lang="en-US" sz="2400" dirty="0">
+                  <a:latin typeface="+mj-lt"/>
+                </a:rPr>
+                <a:t>Hybrid tracking controller</a:t>
+              </a:r>
+            </a:p>
+          </p:txBody>
+        </p:sp>
+        <p:sp>
+          <p:nvSpPr>
+            <p:cNvPr id="143" name="TextBox 142"/>
+            <p:cNvSpPr txBox="1"/>
+            <p:nvPr/>
+          </p:nvSpPr>
+          <p:spPr>
+            <a:xfrm>
+              <a:off x="3640890" y="1192127"/>
+              <a:ext cx="1887968" cy="646331"/>
+            </a:xfrm>
+            <a:prstGeom prst="rect">
+              <a:avLst/>
+            </a:prstGeom>
+            <a:noFill/>
+          </p:spPr>
+          <p:txBody>
+            <a:bodyPr wrap="square" rtlCol="0">
+              <a:spAutoFit/>
+            </a:bodyPr>
+            <a:lstStyle/>
+            <a:p>
+              <a:pPr algn="ctr"/>
+              <a:r>
+                <a:rPr lang="en-US" dirty="0"/>
+                <a:t>Far from tracking error violation</a:t>
+              </a:r>
+            </a:p>
+          </p:txBody>
+        </p:sp>
+        <p:sp>
+          <p:nvSpPr>
+            <p:cNvPr id="144" name="TextBox 143"/>
+            <p:cNvSpPr txBox="1"/>
+            <p:nvPr/>
+          </p:nvSpPr>
+          <p:spPr>
+            <a:xfrm>
+              <a:off x="3740922" y="1934722"/>
+              <a:ext cx="1624405" cy="646331"/>
+            </a:xfrm>
+            <a:prstGeom prst="rect">
+              <a:avLst/>
+            </a:prstGeom>
+            <a:noFill/>
+          </p:spPr>
+          <p:txBody>
+            <a:bodyPr wrap="square" rtlCol="0">
+              <a:spAutoFit/>
+            </a:bodyPr>
+            <a:lstStyle/>
+            <a:p>
+              <a:pPr algn="ctr"/>
+              <a:r>
+                <a:rPr lang="en-US" dirty="0"/>
+                <a:t>Near tracking error violation</a:t>
+              </a:r>
+            </a:p>
+          </p:txBody>
+        </p:sp>
+        <p:cxnSp>
+          <p:nvCxnSpPr>
+            <p:cNvPr id="145" name="Straight Arrow Connector 144"/>
+            <p:cNvCxnSpPr>
+              <a:cxnSpLocks/>
+            </p:cNvCxnSpPr>
+            <p:nvPr/>
+          </p:nvCxnSpPr>
+          <p:spPr>
+            <a:xfrm>
+              <a:off x="670663" y="2262862"/>
+              <a:ext cx="1120037" cy="0"/>
+            </a:xfrm>
+            <a:prstGeom prst="straightConnector1">
+              <a:avLst/>
+            </a:prstGeom>
+            <a:ln>
+              <a:tailEnd type="triangle"/>
+            </a:ln>
+          </p:spPr>
+          <p:style>
+            <a:lnRef idx="3">
+              <a:schemeClr val="dk1"/>
+            </a:lnRef>
+            <a:fillRef idx="0">
+              <a:schemeClr val="dk1"/>
+            </a:fillRef>
+            <a:effectRef idx="2">
+              <a:schemeClr val="dk1"/>
+            </a:effectRef>
+            <a:fontRef idx="minor">
+              <a:schemeClr val="tx1"/>
+            </a:fontRef>
+          </p:style>
+        </p:cxnSp>
+        <p:sp>
+          <p:nvSpPr>
+            <p:cNvPr id="146" name="TextBox 145"/>
+            <p:cNvSpPr txBox="1"/>
+            <p:nvPr/>
+          </p:nvSpPr>
+          <p:spPr>
+            <a:xfrm>
+              <a:off x="670245" y="2257887"/>
+              <a:ext cx="662938" cy="369332"/>
+            </a:xfrm>
+            <a:prstGeom prst="rect">
+              <a:avLst/>
+            </a:prstGeom>
+            <a:noFill/>
+          </p:spPr>
+          <p:txBody>
+            <a:bodyPr wrap="none" rtlCol="0">
+              <a:spAutoFit/>
+            </a:bodyPr>
+            <a:lstStyle/>
+            <a:p>
+              <a:r>
+                <a:rPr lang="en-US" dirty="0"/>
+                <a:t>State</a:t>
+              </a:r>
+            </a:p>
+          </p:txBody>
+        </p:sp>
+        <p:cxnSp>
+          <p:nvCxnSpPr>
+            <p:cNvPr id="147" name="Straight Arrow Connector 146"/>
+            <p:cNvCxnSpPr>
+              <a:cxnSpLocks/>
+            </p:cNvCxnSpPr>
+            <p:nvPr/>
+          </p:nvCxnSpPr>
+          <p:spPr>
+            <a:xfrm>
+              <a:off x="670663" y="1832299"/>
+              <a:ext cx="1120037" cy="0"/>
+            </a:xfrm>
+            <a:prstGeom prst="straightConnector1">
+              <a:avLst/>
+            </a:prstGeom>
+            <a:ln>
+              <a:tailEnd type="triangle"/>
+            </a:ln>
+          </p:spPr>
+          <p:style>
+            <a:lnRef idx="3">
+              <a:schemeClr val="dk1"/>
+            </a:lnRef>
+            <a:fillRef idx="0">
+              <a:schemeClr val="dk1"/>
+            </a:fillRef>
+            <a:effectRef idx="2">
+              <a:schemeClr val="dk1"/>
+            </a:effectRef>
+            <a:fontRef idx="minor">
+              <a:schemeClr val="tx1"/>
+            </a:fontRef>
+          </p:style>
+        </p:cxnSp>
+        <p:sp>
+          <p:nvSpPr>
+            <p:cNvPr id="148" name="TextBox 147"/>
+            <p:cNvSpPr txBox="1"/>
+            <p:nvPr/>
+          </p:nvSpPr>
+          <p:spPr>
+            <a:xfrm>
+              <a:off x="523482" y="1207248"/>
+              <a:ext cx="1387851" cy="646331"/>
+            </a:xfrm>
+            <a:prstGeom prst="rect">
+              <a:avLst/>
+            </a:prstGeom>
+            <a:noFill/>
+          </p:spPr>
+          <p:txBody>
+            <a:bodyPr wrap="square" rtlCol="0">
+              <a:spAutoFit/>
+            </a:bodyPr>
+            <a:lstStyle/>
+            <a:p>
+              <a:r>
+                <a:rPr lang="en-US" dirty="0"/>
+                <a:t>Desired virtual state</a:t>
+              </a:r>
+            </a:p>
+          </p:txBody>
+        </p:sp>
+        <p:sp>
+          <p:nvSpPr>
+            <p:cNvPr id="149" name="Rectangle: Rounded Corners 148"/>
             <p:cNvSpPr/>
             <p:nvPr/>
           </p:nvSpPr>
           <p:spPr>
             <a:xfrm>
-              <a:off x="1968949" y="1458325"/>
-              <a:ext cx="1285981" cy="1256872"/>
+              <a:off x="5872157" y="2248647"/>
+              <a:ext cx="1584730" cy="918812"/>
             </a:xfrm>
             <a:prstGeom prst="roundRect">
               <a:avLst/>
@@ -3147,76 +3395,61 @@
         </p:sp>
         <p:sp>
           <p:nvSpPr>
-            <p:cNvPr id="42" name="TextBox 41"/>
-            <p:cNvSpPr txBox="1"/>
+            <p:cNvPr id="150" name="Rectangle: Rounded Corners 149"/>
+            <p:cNvSpPr/>
             <p:nvPr/>
           </p:nvSpPr>
           <p:spPr>
             <a:xfrm>
-              <a:off x="1687266" y="1064781"/>
-              <a:ext cx="1726691" cy="369332"/>
+              <a:off x="1976825" y="1397000"/>
+              <a:ext cx="1584730" cy="914401"/>
             </a:xfrm>
-            <a:prstGeom prst="rect">
+            <a:prstGeom prst="roundRect">
               <a:avLst/>
             </a:prstGeom>
-            <a:noFill/>
           </p:spPr>
+          <p:style>
+            <a:lnRef idx="1">
+              <a:schemeClr val="accent2"/>
+            </a:lnRef>
+            <a:fillRef idx="2">
+              <a:schemeClr val="accent2"/>
+            </a:fillRef>
+            <a:effectRef idx="1">
+              <a:schemeClr val="accent2"/>
+            </a:effectRef>
+            <a:fontRef idx="minor">
+              <a:schemeClr val="dk1"/>
+            </a:fontRef>
+          </p:style>
           <p:txBody>
-            <a:bodyPr wrap="none" rtlCol="0">
-              <a:spAutoFit/>
-            </a:bodyPr>
+            <a:bodyPr rtlCol="0" anchor="ctr"/>
             <a:lstStyle/>
             <a:p>
+              <a:pPr algn="ctr"/>
               <a:r>
                 <a:rPr lang="en-US" dirty="0"/>
-                <a:t>Safety controller</a:t>
-              </a:r>
-            </a:p>
-          </p:txBody>
-        </p:sp>
-        <p:sp>
-          <p:nvSpPr>
-            <p:cNvPr id="43" name="TextBox 42"/>
-            <p:cNvSpPr txBox="1"/>
-            <p:nvPr/>
-          </p:nvSpPr>
-          <p:spPr>
-            <a:xfrm>
-              <a:off x="1687266" y="476116"/>
-              <a:ext cx="2578270" cy="369332"/>
-            </a:xfrm>
-            <a:prstGeom prst="rect">
-              <a:avLst/>
-            </a:prstGeom>
-            <a:noFill/>
-          </p:spPr>
-          <p:txBody>
-            <a:bodyPr wrap="none" rtlCol="0">
-              <a:spAutoFit/>
-            </a:bodyPr>
-            <a:lstStyle/>
-            <a:p>
-              <a:r>
-                <a:rPr lang="en-US" dirty="0"/>
-                <a:t>Hybrid tracking controller</a:t>
+                <a:t>Tracking error bound</a:t>
               </a:r>
             </a:p>
           </p:txBody>
         </p:sp>
         <p:cxnSp>
           <p:nvCxnSpPr>
-            <p:cNvPr id="44" name="Straight Arrow Connector 43"/>
+            <p:cNvPr id="151" name="Connector: Elbow 150"/>
             <p:cNvCxnSpPr>
               <a:cxnSpLocks/>
+              <a:stCxn id="150" idx="2"/>
+              <a:endCxn id="139" idx="1"/>
             </p:cNvCxnSpPr>
             <p:nvPr/>
           </p:nvCxnSpPr>
           <p:spPr>
-            <a:xfrm flipV="1">
-              <a:off x="3536615" y="1731981"/>
-              <a:ext cx="1727567" cy="0"/>
+            <a:xfrm rot="16200000" flipH="1">
+              <a:off x="4127451" y="953139"/>
+              <a:ext cx="228600" cy="2945123"/>
             </a:xfrm>
-            <a:prstGeom prst="straightConnector1">
+            <a:prstGeom prst="bentConnector2">
               <a:avLst/>
             </a:prstGeom>
             <a:ln>
@@ -3240,16 +3473,54 @@
         </p:cxnSp>
         <p:cxnSp>
           <p:nvCxnSpPr>
-            <p:cNvPr id="45" name="Straight Arrow Connector 44"/>
+            <p:cNvPr id="152" name="Connector: Elbow 151"/>
             <p:cNvCxnSpPr>
               <a:cxnSpLocks/>
+              <a:stCxn id="150" idx="0"/>
+              <a:endCxn id="140" idx="1"/>
             </p:cNvCxnSpPr>
             <p:nvPr/>
           </p:nvCxnSpPr>
           <p:spPr>
-            <a:xfrm flipH="1">
-              <a:off x="3536615" y="1981659"/>
-              <a:ext cx="1727567" cy="0"/>
+            <a:xfrm rot="5400000" flipH="1" flipV="1">
+              <a:off x="4124033" y="-193279"/>
+              <a:ext cx="235437" cy="2945123"/>
+            </a:xfrm>
+            <a:prstGeom prst="bentConnector2">
+              <a:avLst/>
+            </a:prstGeom>
+            <a:ln>
+              <a:tailEnd type="triangle"/>
+            </a:ln>
+          </p:spPr>
+          <p:style>
+            <a:lnRef idx="3">
+              <a:schemeClr val="dk1"/>
+            </a:lnRef>
+            <a:fillRef idx="0">
+              <a:schemeClr val="dk1"/>
+            </a:fillRef>
+            <a:effectRef idx="2">
+              <a:schemeClr val="dk1"/>
+            </a:effectRef>
+            <a:fontRef idx="minor">
+              <a:schemeClr val="tx1"/>
+            </a:fontRef>
+          </p:style>
+        </p:cxnSp>
+        <p:cxnSp>
+          <p:nvCxnSpPr>
+            <p:cNvPr id="153" name="Straight Arrow Connector 152"/>
+            <p:cNvCxnSpPr>
+              <a:cxnSpLocks/>
+              <a:stCxn id="138" idx="3"/>
+            </p:cNvCxnSpPr>
+            <p:nvPr/>
+          </p:nvCxnSpPr>
+          <p:spPr>
+            <a:xfrm flipV="1">
+              <a:off x="7695405" y="1889124"/>
+              <a:ext cx="635795" cy="1"/>
             </a:xfrm>
             <a:prstGeom prst="straightConnector1">
               <a:avLst/>
@@ -3275,109 +3546,14 @@
         </p:cxnSp>
         <p:sp>
           <p:nvSpPr>
-            <p:cNvPr id="46" name="TextBox 45"/>
+            <p:cNvPr id="154" name="TextBox 153"/>
             <p:cNvSpPr txBox="1"/>
             <p:nvPr/>
           </p:nvSpPr>
           <p:spPr>
             <a:xfrm>
-              <a:off x="3455892" y="1110947"/>
-              <a:ext cx="1887968" cy="646331"/>
-            </a:xfrm>
-            <a:prstGeom prst="rect">
-              <a:avLst/>
-            </a:prstGeom>
-            <a:noFill/>
-          </p:spPr>
-          <p:txBody>
-            <a:bodyPr wrap="square" rtlCol="0">
-              <a:spAutoFit/>
-            </a:bodyPr>
-            <a:lstStyle/>
-            <a:p>
-              <a:pPr algn="ctr"/>
-              <a:r>
-                <a:rPr lang="en-US" dirty="0"/>
-                <a:t>Far from tracking error violation</a:t>
-              </a:r>
-            </a:p>
-          </p:txBody>
-        </p:sp>
-        <p:sp>
-          <p:nvSpPr>
-            <p:cNvPr id="47" name="TextBox 46"/>
-            <p:cNvSpPr txBox="1"/>
-            <p:nvPr/>
-          </p:nvSpPr>
-          <p:spPr>
-            <a:xfrm>
-              <a:off x="3587673" y="1981659"/>
-              <a:ext cx="1624405" cy="646331"/>
-            </a:xfrm>
-            <a:prstGeom prst="rect">
-              <a:avLst/>
-            </a:prstGeom>
-            <a:noFill/>
-          </p:spPr>
-          <p:txBody>
-            <a:bodyPr wrap="square" rtlCol="0">
-              <a:spAutoFit/>
-            </a:bodyPr>
-            <a:lstStyle/>
-            <a:p>
-              <a:pPr algn="ctr"/>
-              <a:r>
-                <a:rPr lang="en-US" dirty="0"/>
-                <a:t>Near tracking error violation</a:t>
-              </a:r>
-            </a:p>
-          </p:txBody>
-        </p:sp>
-        <p:cxnSp>
-          <p:nvCxnSpPr>
-            <p:cNvPr id="48" name="Straight Arrow Connector 47"/>
-            <p:cNvCxnSpPr>
-              <a:cxnSpLocks/>
-            </p:cNvCxnSpPr>
-            <p:nvPr/>
-          </p:nvCxnSpPr>
-          <p:spPr>
-            <a:xfrm>
-              <a:off x="220532" y="1981659"/>
-              <a:ext cx="1333947" cy="0"/>
-            </a:xfrm>
-            <a:prstGeom prst="straightConnector1">
-              <a:avLst/>
-            </a:prstGeom>
-            <a:ln>
-              <a:tailEnd type="triangle"/>
-            </a:ln>
-          </p:spPr>
-          <p:style>
-            <a:lnRef idx="3">
-              <a:schemeClr val="dk1"/>
-            </a:lnRef>
-            <a:fillRef idx="0">
-              <a:schemeClr val="dk1"/>
-            </a:fillRef>
-            <a:effectRef idx="2">
-              <a:schemeClr val="dk1"/>
-            </a:effectRef>
-            <a:fontRef idx="minor">
-              <a:schemeClr val="tx1"/>
-            </a:fontRef>
-          </p:style>
-        </p:cxnSp>
-        <p:sp>
-          <p:nvSpPr>
-            <p:cNvPr id="49" name="TextBox 48"/>
-            <p:cNvSpPr txBox="1"/>
-            <p:nvPr/>
-          </p:nvSpPr>
-          <p:spPr>
-            <a:xfrm>
-              <a:off x="215094" y="2000111"/>
-              <a:ext cx="662938" cy="369332"/>
+              <a:off x="7695405" y="1519792"/>
+              <a:ext cx="877741" cy="369332"/>
             </a:xfrm>
             <a:prstGeom prst="rect">
               <a:avLst/>
@@ -3392,71 +3568,7 @@
             <a:p>
               <a:r>
                 <a:rPr lang="en-US" dirty="0"/>
-                <a:t>State</a:t>
-              </a:r>
-            </a:p>
-          </p:txBody>
-        </p:sp>
-        <p:cxnSp>
-          <p:nvCxnSpPr>
-            <p:cNvPr id="50" name="Straight Arrow Connector 49"/>
-            <p:cNvCxnSpPr>
-              <a:cxnSpLocks/>
-            </p:cNvCxnSpPr>
-            <p:nvPr/>
-          </p:nvCxnSpPr>
-          <p:spPr>
-            <a:xfrm flipV="1">
-              <a:off x="220532" y="1563904"/>
-              <a:ext cx="1339178" cy="0"/>
-            </a:xfrm>
-            <a:prstGeom prst="straightConnector1">
-              <a:avLst/>
-            </a:prstGeom>
-            <a:ln>
-              <a:tailEnd type="triangle"/>
-            </a:ln>
-          </p:spPr>
-          <p:style>
-            <a:lnRef idx="3">
-              <a:schemeClr val="dk1"/>
-            </a:lnRef>
-            <a:fillRef idx="0">
-              <a:schemeClr val="dk1"/>
-            </a:fillRef>
-            <a:effectRef idx="2">
-              <a:schemeClr val="dk1"/>
-            </a:effectRef>
-            <a:fontRef idx="minor">
-              <a:schemeClr val="tx1"/>
-            </a:fontRef>
-          </p:style>
-        </p:cxnSp>
-        <p:sp>
-          <p:nvSpPr>
-            <p:cNvPr id="51" name="TextBox 50"/>
-            <p:cNvSpPr txBox="1"/>
-            <p:nvPr/>
-          </p:nvSpPr>
-          <p:spPr>
-            <a:xfrm>
-              <a:off x="166628" y="904765"/>
-              <a:ext cx="1387851" cy="646331"/>
-            </a:xfrm>
-            <a:prstGeom prst="rect">
-              <a:avLst/>
-            </a:prstGeom>
-            <a:noFill/>
-          </p:spPr>
-          <p:txBody>
-            <a:bodyPr wrap="square" rtlCol="0">
-              <a:spAutoFit/>
-            </a:bodyPr>
-            <a:lstStyle/>
-            <a:p>
-              <a:r>
-                <a:rPr lang="en-US" dirty="0"/>
-                <a:t>Desired virtual state</a:t>
+                <a:t>Control</a:t>
               </a:r>
             </a:p>
           </p:txBody>

--- a/docs/CDC 2017 Safe Tracking/fig/hybrid_controller.pptx
+++ b/docs/CDC 2017 Safe Tracking/fig/hybrid_controller.pptx
@@ -243,7 +243,7 @@
           <a:p>
             <a:fld id="{C48BF103-B019-4C03-B7DF-16D4A730CE6A}" type="datetimeFigureOut">
               <a:rPr lang="en-US" smtClean="0"/>
-              <a:t>17/03/06</a:t>
+              <a:t>3/15/17</a:t>
             </a:fld>
             <a:endParaRPr lang="en-US"/>
           </a:p>
@@ -413,7 +413,7 @@
           <a:p>
             <a:fld id="{C48BF103-B019-4C03-B7DF-16D4A730CE6A}" type="datetimeFigureOut">
               <a:rPr lang="en-US" smtClean="0"/>
-              <a:t>17/03/06</a:t>
+              <a:t>3/15/17</a:t>
             </a:fld>
             <a:endParaRPr lang="en-US"/>
           </a:p>
@@ -593,7 +593,7 @@
           <a:p>
             <a:fld id="{C48BF103-B019-4C03-B7DF-16D4A730CE6A}" type="datetimeFigureOut">
               <a:rPr lang="en-US" smtClean="0"/>
-              <a:t>17/03/06</a:t>
+              <a:t>3/15/17</a:t>
             </a:fld>
             <a:endParaRPr lang="en-US"/>
           </a:p>
@@ -763,7 +763,7 @@
           <a:p>
             <a:fld id="{C48BF103-B019-4C03-B7DF-16D4A730CE6A}" type="datetimeFigureOut">
               <a:rPr lang="en-US" smtClean="0"/>
-              <a:t>17/03/06</a:t>
+              <a:t>3/15/17</a:t>
             </a:fld>
             <a:endParaRPr lang="en-US"/>
           </a:p>
@@ -1009,7 +1009,7 @@
           <a:p>
             <a:fld id="{C48BF103-B019-4C03-B7DF-16D4A730CE6A}" type="datetimeFigureOut">
               <a:rPr lang="en-US" smtClean="0"/>
-              <a:t>17/03/06</a:t>
+              <a:t>3/15/17</a:t>
             </a:fld>
             <a:endParaRPr lang="en-US"/>
           </a:p>
@@ -1241,7 +1241,7 @@
           <a:p>
             <a:fld id="{C48BF103-B019-4C03-B7DF-16D4A730CE6A}" type="datetimeFigureOut">
               <a:rPr lang="en-US" smtClean="0"/>
-              <a:t>17/03/06</a:t>
+              <a:t>3/15/17</a:t>
             </a:fld>
             <a:endParaRPr lang="en-US"/>
           </a:p>
@@ -1608,7 +1608,7 @@
           <a:p>
             <a:fld id="{C48BF103-B019-4C03-B7DF-16D4A730CE6A}" type="datetimeFigureOut">
               <a:rPr lang="en-US" smtClean="0"/>
-              <a:t>17/03/06</a:t>
+              <a:t>3/15/17</a:t>
             </a:fld>
             <a:endParaRPr lang="en-US"/>
           </a:p>
@@ -1726,7 +1726,7 @@
           <a:p>
             <a:fld id="{C48BF103-B019-4C03-B7DF-16D4A730CE6A}" type="datetimeFigureOut">
               <a:rPr lang="en-US" smtClean="0"/>
-              <a:t>17/03/06</a:t>
+              <a:t>3/15/17</a:t>
             </a:fld>
             <a:endParaRPr lang="en-US"/>
           </a:p>
@@ -1821,7 +1821,7 @@
           <a:p>
             <a:fld id="{C48BF103-B019-4C03-B7DF-16D4A730CE6A}" type="datetimeFigureOut">
               <a:rPr lang="en-US" smtClean="0"/>
-              <a:t>17/03/06</a:t>
+              <a:t>3/15/17</a:t>
             </a:fld>
             <a:endParaRPr lang="en-US"/>
           </a:p>
@@ -2098,7 +2098,7 @@
           <a:p>
             <a:fld id="{C48BF103-B019-4C03-B7DF-16D4A730CE6A}" type="datetimeFigureOut">
               <a:rPr lang="en-US" smtClean="0"/>
-              <a:t>17/03/06</a:t>
+              <a:t>3/15/17</a:t>
             </a:fld>
             <a:endParaRPr lang="en-US"/>
           </a:p>
@@ -2355,7 +2355,7 @@
           <a:p>
             <a:fld id="{C48BF103-B019-4C03-B7DF-16D4A730CE6A}" type="datetimeFigureOut">
               <a:rPr lang="en-US" smtClean="0"/>
-              <a:t>17/03/06</a:t>
+              <a:t>3/15/17</a:t>
             </a:fld>
             <a:endParaRPr lang="en-US"/>
           </a:p>
@@ -2568,7 +2568,7 @@
           <a:p>
             <a:fld id="{C48BF103-B019-4C03-B7DF-16D4A730CE6A}" type="datetimeFigureOut">
               <a:rPr lang="en-US" smtClean="0"/>
-              <a:t>17/03/06</a:t>
+              <a:t>3/15/17</a:t>
             </a:fld>
             <a:endParaRPr lang="en-US"/>
           </a:p>
@@ -2981,10 +2981,10 @@
         </p:nvGrpSpPr>
         <p:grpSpPr>
           <a:xfrm>
-            <a:off x="19050" y="38101"/>
-            <a:ext cx="8049664" cy="3130549"/>
-            <a:chOff x="523482" y="323850"/>
-            <a:chExt cx="8049664" cy="3130549"/>
+            <a:off x="64451" y="38101"/>
+            <a:ext cx="8004263" cy="3130549"/>
+            <a:chOff x="568883" y="323850"/>
+            <a:chExt cx="8004263" cy="3130549"/>
           </a:xfrm>
         </p:grpSpPr>
         <p:sp>
@@ -3331,8 +3331,8 @@
           </p:nvSpPr>
           <p:spPr>
             <a:xfrm>
-              <a:off x="523482" y="1207248"/>
-              <a:ext cx="1387851" cy="646331"/>
+              <a:off x="568883" y="935335"/>
+              <a:ext cx="1387851" cy="923330"/>
             </a:xfrm>
             <a:prstGeom prst="rect">
               <a:avLst/>
@@ -3346,9 +3346,14 @@
             <a:lstStyle/>
             <a:p>
               <a:r>
-                <a:rPr lang="en-US" dirty="0"/>
-                <a:t>Desired virtual state</a:t>
+                <a:rPr lang="en-US"/>
+                <a:t>Desired </a:t>
               </a:r>
+              <a:r>
+                <a:rPr lang="en-US" smtClean="0"/>
+                <a:t>planning state</a:t>
+              </a:r>
+              <a:endParaRPr lang="en-US" dirty="0"/>
             </a:p>
           </p:txBody>
         </p:sp>
